--- a/ReciPro/pdf/bethe.pptx
+++ b/ReciPro/pdf/bethe.pptx
@@ -244,7 +244,7 @@
           <a:p>
             <a:fld id="{A5EC26D8-D98F-4A91-AFE7-5EF4FA3FDDA5}" type="datetimeFigureOut">
               <a:rPr kumimoji="1" lang="ja-JP" altLang="en-US" smtClean="0"/>
-              <a:t>2019/12/9</a:t>
+              <a:t>2020/2/13</a:t>
             </a:fld>
             <a:endParaRPr kumimoji="1" lang="ja-JP" altLang="en-US"/>
           </a:p>
@@ -446,7 +446,7 @@
           <a:p>
             <a:fld id="{A5EC26D8-D98F-4A91-AFE7-5EF4FA3FDDA5}" type="datetimeFigureOut">
               <a:rPr kumimoji="1" lang="ja-JP" altLang="en-US" smtClean="0"/>
-              <a:t>2019/12/9</a:t>
+              <a:t>2020/2/13</a:t>
             </a:fld>
             <a:endParaRPr kumimoji="1" lang="ja-JP" altLang="en-US"/>
           </a:p>
@@ -658,7 +658,7 @@
           <a:p>
             <a:fld id="{A5EC26D8-D98F-4A91-AFE7-5EF4FA3FDDA5}" type="datetimeFigureOut">
               <a:rPr kumimoji="1" lang="ja-JP" altLang="en-US" smtClean="0"/>
-              <a:t>2019/12/9</a:t>
+              <a:t>2020/2/13</a:t>
             </a:fld>
             <a:endParaRPr kumimoji="1" lang="ja-JP" altLang="en-US"/>
           </a:p>
@@ -860,7 +860,7 @@
           <a:p>
             <a:fld id="{A5EC26D8-D98F-4A91-AFE7-5EF4FA3FDDA5}" type="datetimeFigureOut">
               <a:rPr kumimoji="1" lang="ja-JP" altLang="en-US" smtClean="0"/>
-              <a:t>2019/12/9</a:t>
+              <a:t>2020/2/13</a:t>
             </a:fld>
             <a:endParaRPr kumimoji="1" lang="ja-JP" altLang="en-US"/>
           </a:p>
@@ -1104,7 +1104,7 @@
           <a:p>
             <a:fld id="{A5EC26D8-D98F-4A91-AFE7-5EF4FA3FDDA5}" type="datetimeFigureOut">
               <a:rPr kumimoji="1" lang="ja-JP" altLang="en-US" smtClean="0"/>
-              <a:t>2019/12/9</a:t>
+              <a:t>2020/2/13</a:t>
             </a:fld>
             <a:endParaRPr kumimoji="1" lang="ja-JP" altLang="en-US"/>
           </a:p>
@@ -1400,7 +1400,7 @@
           <a:p>
             <a:fld id="{A5EC26D8-D98F-4A91-AFE7-5EF4FA3FDDA5}" type="datetimeFigureOut">
               <a:rPr kumimoji="1" lang="ja-JP" altLang="en-US" smtClean="0"/>
-              <a:t>2019/12/9</a:t>
+              <a:t>2020/2/13</a:t>
             </a:fld>
             <a:endParaRPr kumimoji="1" lang="ja-JP" altLang="en-US"/>
           </a:p>
@@ -1831,7 +1831,7 @@
           <a:p>
             <a:fld id="{A5EC26D8-D98F-4A91-AFE7-5EF4FA3FDDA5}" type="datetimeFigureOut">
               <a:rPr kumimoji="1" lang="ja-JP" altLang="en-US" smtClean="0"/>
-              <a:t>2019/12/9</a:t>
+              <a:t>2020/2/13</a:t>
             </a:fld>
             <a:endParaRPr kumimoji="1" lang="ja-JP" altLang="en-US"/>
           </a:p>
@@ -1949,7 +1949,7 @@
           <a:p>
             <a:fld id="{A5EC26D8-D98F-4A91-AFE7-5EF4FA3FDDA5}" type="datetimeFigureOut">
               <a:rPr kumimoji="1" lang="ja-JP" altLang="en-US" smtClean="0"/>
-              <a:t>2019/12/9</a:t>
+              <a:t>2020/2/13</a:t>
             </a:fld>
             <a:endParaRPr kumimoji="1" lang="ja-JP" altLang="en-US"/>
           </a:p>
@@ -2044,7 +2044,7 @@
           <a:p>
             <a:fld id="{A5EC26D8-D98F-4A91-AFE7-5EF4FA3FDDA5}" type="datetimeFigureOut">
               <a:rPr kumimoji="1" lang="ja-JP" altLang="en-US" smtClean="0"/>
-              <a:t>2019/12/9</a:t>
+              <a:t>2020/2/13</a:t>
             </a:fld>
             <a:endParaRPr kumimoji="1" lang="ja-JP" altLang="en-US"/>
           </a:p>
@@ -2353,7 +2353,7 @@
           <a:p>
             <a:fld id="{A5EC26D8-D98F-4A91-AFE7-5EF4FA3FDDA5}" type="datetimeFigureOut">
               <a:rPr kumimoji="1" lang="ja-JP" altLang="en-US" smtClean="0"/>
-              <a:t>2019/12/9</a:t>
+              <a:t>2020/2/13</a:t>
             </a:fld>
             <a:endParaRPr kumimoji="1" lang="ja-JP" altLang="en-US"/>
           </a:p>
@@ -2610,7 +2610,7 @@
           <a:p>
             <a:fld id="{A5EC26D8-D98F-4A91-AFE7-5EF4FA3FDDA5}" type="datetimeFigureOut">
               <a:rPr kumimoji="1" lang="ja-JP" altLang="en-US" smtClean="0"/>
-              <a:t>2019/12/9</a:t>
+              <a:t>2020/2/13</a:t>
             </a:fld>
             <a:endParaRPr kumimoji="1" lang="ja-JP" altLang="en-US"/>
           </a:p>
@@ -2855,7 +2855,7 @@
           <a:p>
             <a:fld id="{A5EC26D8-D98F-4A91-AFE7-5EF4FA3FDDA5}" type="datetimeFigureOut">
               <a:rPr kumimoji="1" lang="ja-JP" altLang="en-US" smtClean="0"/>
-              <a:t>2019/12/9</a:t>
+              <a:t>2020/2/13</a:t>
             </a:fld>
             <a:endParaRPr kumimoji="1" lang="ja-JP" altLang="en-US"/>
           </a:p>
@@ -6982,18 +6982,180 @@
       </mc:AlternateContent>
       <p:grpSp>
         <p:nvGrpSpPr>
-          <p:cNvPr id="16" name="グループ化 15"/>
+          <p:cNvPr id="4" name="グループ化 3"/>
           <p:cNvGrpSpPr/>
           <p:nvPr/>
         </p:nvGrpSpPr>
         <p:grpSpPr>
           <a:xfrm>
-            <a:off x="-676809" y="-1756475"/>
-            <a:ext cx="5653149" cy="5105242"/>
-            <a:chOff x="4867247" y="3061935"/>
-            <a:chExt cx="3557259" cy="3212486"/>
+            <a:off x="297640" y="387504"/>
+            <a:ext cx="4678699" cy="2961263"/>
+            <a:chOff x="297640" y="387504"/>
+            <a:chExt cx="4678699" cy="2961263"/>
           </a:xfrm>
         </p:grpSpPr>
+        <p:sp>
+          <p:nvSpPr>
+            <p:cNvPr id="2" name="フリーフォーム 1"/>
+            <p:cNvSpPr/>
+            <p:nvPr/>
+          </p:nvSpPr>
+          <p:spPr>
+            <a:xfrm>
+              <a:off x="628650" y="2886073"/>
+              <a:ext cx="2419350" cy="333507"/>
+            </a:xfrm>
+            <a:custGeom>
+              <a:avLst/>
+              <a:gdLst>
+                <a:gd name="connsiteX0" fmla="*/ 0 w 2419350"/>
+                <a:gd name="connsiteY0" fmla="*/ 33338 h 338282"/>
+                <a:gd name="connsiteX1" fmla="*/ 1166813 w 2419350"/>
+                <a:gd name="connsiteY1" fmla="*/ 338138 h 338282"/>
+                <a:gd name="connsiteX2" fmla="*/ 2419350 w 2419350"/>
+                <a:gd name="connsiteY2" fmla="*/ 0 h 338282"/>
+                <a:gd name="connsiteX0" fmla="*/ 0 w 2419350"/>
+                <a:gd name="connsiteY0" fmla="*/ 33338 h 335903"/>
+                <a:gd name="connsiteX1" fmla="*/ 1176338 w 2419350"/>
+                <a:gd name="connsiteY1" fmla="*/ 335756 h 335903"/>
+                <a:gd name="connsiteX2" fmla="*/ 2419350 w 2419350"/>
+                <a:gd name="connsiteY2" fmla="*/ 0 h 335903"/>
+                <a:gd name="connsiteX0" fmla="*/ 0 w 2419350"/>
+                <a:gd name="connsiteY0" fmla="*/ 33338 h 335903"/>
+                <a:gd name="connsiteX1" fmla="*/ 1176338 w 2419350"/>
+                <a:gd name="connsiteY1" fmla="*/ 335756 h 335903"/>
+                <a:gd name="connsiteX2" fmla="*/ 2419350 w 2419350"/>
+                <a:gd name="connsiteY2" fmla="*/ 0 h 335903"/>
+                <a:gd name="connsiteX0" fmla="*/ 0 w 2419350"/>
+                <a:gd name="connsiteY0" fmla="*/ 33338 h 335903"/>
+                <a:gd name="connsiteX1" fmla="*/ 1176338 w 2419350"/>
+                <a:gd name="connsiteY1" fmla="*/ 335756 h 335903"/>
+                <a:gd name="connsiteX2" fmla="*/ 2419350 w 2419350"/>
+                <a:gd name="connsiteY2" fmla="*/ 0 h 335903"/>
+                <a:gd name="connsiteX0" fmla="*/ 0 w 2419350"/>
+                <a:gd name="connsiteY0" fmla="*/ 33338 h 335903"/>
+                <a:gd name="connsiteX1" fmla="*/ 1176338 w 2419350"/>
+                <a:gd name="connsiteY1" fmla="*/ 335756 h 335903"/>
+                <a:gd name="connsiteX2" fmla="*/ 2419350 w 2419350"/>
+                <a:gd name="connsiteY2" fmla="*/ 0 h 335903"/>
+                <a:gd name="connsiteX0" fmla="*/ 0 w 2419350"/>
+                <a:gd name="connsiteY0" fmla="*/ 33338 h 335898"/>
+                <a:gd name="connsiteX1" fmla="*/ 1176338 w 2419350"/>
+                <a:gd name="connsiteY1" fmla="*/ 335756 h 335898"/>
+                <a:gd name="connsiteX2" fmla="*/ 2419350 w 2419350"/>
+                <a:gd name="connsiteY2" fmla="*/ 0 h 335898"/>
+                <a:gd name="connsiteX0" fmla="*/ 0 w 2419350"/>
+                <a:gd name="connsiteY0" fmla="*/ 33338 h 333518"/>
+                <a:gd name="connsiteX1" fmla="*/ 1176338 w 2419350"/>
+                <a:gd name="connsiteY1" fmla="*/ 333374 h 333518"/>
+                <a:gd name="connsiteX2" fmla="*/ 2419350 w 2419350"/>
+                <a:gd name="connsiteY2" fmla="*/ 0 h 333518"/>
+                <a:gd name="connsiteX0" fmla="*/ 0 w 2419350"/>
+                <a:gd name="connsiteY0" fmla="*/ 33338 h 333512"/>
+                <a:gd name="connsiteX1" fmla="*/ 1176338 w 2419350"/>
+                <a:gd name="connsiteY1" fmla="*/ 333374 h 333512"/>
+                <a:gd name="connsiteX2" fmla="*/ 2419350 w 2419350"/>
+                <a:gd name="connsiteY2" fmla="*/ 0 h 333512"/>
+                <a:gd name="connsiteX0" fmla="*/ 0 w 2419350"/>
+                <a:gd name="connsiteY0" fmla="*/ 33338 h 333512"/>
+                <a:gd name="connsiteX1" fmla="*/ 1176338 w 2419350"/>
+                <a:gd name="connsiteY1" fmla="*/ 333374 h 333512"/>
+                <a:gd name="connsiteX2" fmla="*/ 2419350 w 2419350"/>
+                <a:gd name="connsiteY2" fmla="*/ 0 h 333512"/>
+                <a:gd name="connsiteX0" fmla="*/ 0 w 2419350"/>
+                <a:gd name="connsiteY0" fmla="*/ 33338 h 333512"/>
+                <a:gd name="connsiteX1" fmla="*/ 1176338 w 2419350"/>
+                <a:gd name="connsiteY1" fmla="*/ 333374 h 333512"/>
+                <a:gd name="connsiteX2" fmla="*/ 2419350 w 2419350"/>
+                <a:gd name="connsiteY2" fmla="*/ 0 h 333512"/>
+                <a:gd name="connsiteX0" fmla="*/ 0 w 2419350"/>
+                <a:gd name="connsiteY0" fmla="*/ 33338 h 333512"/>
+                <a:gd name="connsiteX1" fmla="*/ 1176338 w 2419350"/>
+                <a:gd name="connsiteY1" fmla="*/ 333374 h 333512"/>
+                <a:gd name="connsiteX2" fmla="*/ 2419350 w 2419350"/>
+                <a:gd name="connsiteY2" fmla="*/ 0 h 333512"/>
+                <a:gd name="connsiteX0" fmla="*/ 0 w 2419350"/>
+                <a:gd name="connsiteY0" fmla="*/ 33338 h 333512"/>
+                <a:gd name="connsiteX1" fmla="*/ 1176338 w 2419350"/>
+                <a:gd name="connsiteY1" fmla="*/ 333374 h 333512"/>
+                <a:gd name="connsiteX2" fmla="*/ 2419350 w 2419350"/>
+                <a:gd name="connsiteY2" fmla="*/ 0 h 333512"/>
+                <a:gd name="connsiteX0" fmla="*/ 0 w 2419350"/>
+                <a:gd name="connsiteY0" fmla="*/ 33338 h 333512"/>
+                <a:gd name="connsiteX1" fmla="*/ 1176338 w 2419350"/>
+                <a:gd name="connsiteY1" fmla="*/ 333374 h 333512"/>
+                <a:gd name="connsiteX2" fmla="*/ 2419350 w 2419350"/>
+                <a:gd name="connsiteY2" fmla="*/ 0 h 333512"/>
+                <a:gd name="connsiteX0" fmla="*/ 0 w 2419350"/>
+                <a:gd name="connsiteY0" fmla="*/ 33338 h 333507"/>
+                <a:gd name="connsiteX1" fmla="*/ 1176338 w 2419350"/>
+                <a:gd name="connsiteY1" fmla="*/ 333374 h 333507"/>
+                <a:gd name="connsiteX2" fmla="*/ 2419350 w 2419350"/>
+                <a:gd name="connsiteY2" fmla="*/ 0 h 333507"/>
+              </a:gdLst>
+              <a:ahLst/>
+              <a:cxnLst>
+                <a:cxn ang="0">
+                  <a:pos x="connsiteX0" y="connsiteY0"/>
+                </a:cxn>
+                <a:cxn ang="0">
+                  <a:pos x="connsiteX1" y="connsiteY1"/>
+                </a:cxn>
+                <a:cxn ang="0">
+                  <a:pos x="connsiteX2" y="connsiteY2"/>
+                </a:cxn>
+              </a:cxnLst>
+              <a:rect l="l" t="t" r="r" b="b"/>
+              <a:pathLst>
+                <a:path w="2419350" h="333507">
+                  <a:moveTo>
+                    <a:pt x="0" y="33338"/>
+                  </a:moveTo>
+                  <a:cubicBezTo>
+                    <a:pt x="236538" y="169466"/>
+                    <a:pt x="744538" y="338930"/>
+                    <a:pt x="1176338" y="333374"/>
+                  </a:cubicBezTo>
+                  <a:cubicBezTo>
+                    <a:pt x="1608138" y="327818"/>
+                    <a:pt x="2073275" y="202010"/>
+                    <a:pt x="2419350" y="0"/>
+                  </a:cubicBezTo>
+                </a:path>
+              </a:pathLst>
+            </a:custGeom>
+            <a:noFill/>
+            <a:ln>
+              <a:solidFill>
+                <a:schemeClr val="tx1"/>
+              </a:solidFill>
+            </a:ln>
+          </p:spPr>
+          <p:style>
+            <a:lnRef idx="2">
+              <a:schemeClr val="accent1">
+                <a:shade val="50000"/>
+              </a:schemeClr>
+            </a:lnRef>
+            <a:fillRef idx="1">
+              <a:schemeClr val="accent1"/>
+            </a:fillRef>
+            <a:effectRef idx="0">
+              <a:schemeClr val="accent1"/>
+            </a:effectRef>
+            <a:fontRef idx="minor">
+              <a:schemeClr val="lt1"/>
+            </a:fontRef>
+          </p:style>
+          <p:txBody>
+            <a:bodyPr rtlCol="0" anchor="ctr"/>
+            <a:lstStyle/>
+            <a:p>
+              <a:pPr algn="ctr"/>
+              <a:endParaRPr kumimoji="1" lang="ja-JP" altLang="en-US"/>
+            </a:p>
+          </p:txBody>
+        </p:sp>
         <p:cxnSp>
           <p:nvCxnSpPr>
             <p:cNvPr id="17" name="直線矢印コネクタ 16"/>
@@ -7002,8 +7164,8 @@
           </p:nvCxnSpPr>
           <p:spPr>
             <a:xfrm>
-              <a:off x="7106201" y="5918726"/>
-              <a:ext cx="2327" cy="119495"/>
+              <a:off x="2881306" y="2783501"/>
+              <a:ext cx="3698" cy="189900"/>
             </a:xfrm>
             <a:prstGeom prst="straightConnector1">
               <a:avLst/>
@@ -7040,8 +7202,8 @@
           </p:nvCxnSpPr>
           <p:spPr>
             <a:xfrm flipH="1" flipV="1">
-              <a:off x="6386514" y="4549607"/>
-              <a:ext cx="34576" cy="59373"/>
+              <a:off x="1737589" y="607715"/>
+              <a:ext cx="54948" cy="94355"/>
             </a:xfrm>
             <a:prstGeom prst="line">
               <a:avLst/>
@@ -7075,8 +7237,8 @@
           </p:nvCxnSpPr>
           <p:spPr>
             <a:xfrm>
-              <a:off x="6422304" y="5129838"/>
-              <a:ext cx="0" cy="1053306"/>
+              <a:off x="1794466" y="1529810"/>
+              <a:ext cx="0" cy="1673901"/>
             </a:xfrm>
             <a:prstGeom prst="line">
               <a:avLst/>
@@ -7111,8 +7273,8 @@
           </p:nvCxnSpPr>
           <p:spPr>
             <a:xfrm flipV="1">
-              <a:off x="7106195" y="4626047"/>
-              <a:ext cx="0" cy="1249916"/>
+              <a:off x="2881297" y="729192"/>
+              <a:ext cx="0" cy="1986351"/>
             </a:xfrm>
             <a:prstGeom prst="straightConnector1">
               <a:avLst/>
@@ -7151,8 +7313,8 @@
           </p:nvCxnSpPr>
           <p:spPr>
             <a:xfrm>
-              <a:off x="5800007" y="4623267"/>
-              <a:ext cx="0" cy="1428115"/>
+              <a:off x="805520" y="724774"/>
+              <a:ext cx="0" cy="2269542"/>
             </a:xfrm>
             <a:prstGeom prst="line">
               <a:avLst/>
@@ -7188,8 +7350,8 @@
           </p:nvCxnSpPr>
           <p:spPr>
             <a:xfrm>
-              <a:off x="5719763" y="4620552"/>
-              <a:ext cx="1476375" cy="0"/>
+              <a:off x="677998" y="720459"/>
+              <a:ext cx="2346235" cy="0"/>
             </a:xfrm>
             <a:prstGeom prst="line">
               <a:avLst/>
@@ -7223,8 +7385,8 @@
           </p:nvSpPr>
           <p:spPr>
             <a:xfrm>
-              <a:off x="7087621" y="5885519"/>
-              <a:ext cx="37148" cy="37148"/>
+              <a:off x="2851779" y="2730729"/>
+              <a:ext cx="59035" cy="59035"/>
             </a:xfrm>
             <a:prstGeom prst="ellipse">
               <a:avLst/>
@@ -7270,8 +7432,8 @@
             </a:p>
           </p:txBody>
         </p:sp>
-        <mc:AlternateContent xmlns:mc="http://schemas.openxmlformats.org/markup-compatibility/2006" xmlns:a14="http://schemas.microsoft.com/office/drawing/2010/main">
-          <mc:Choice Requires="a14">
+        <mc:AlternateContent xmlns:mc="http://schemas.openxmlformats.org/markup-compatibility/2006">
+          <mc:Choice xmlns:a14="http://schemas.microsoft.com/office/drawing/2010/main" Requires="a14">
             <p:sp>
               <p:nvSpPr>
                 <p:cNvPr id="24" name="テキスト ボックス 23"/>
@@ -7280,8 +7442,8 @@
               </p:nvSpPr>
               <p:spPr>
                 <a:xfrm>
-                  <a:off x="5853823" y="5881695"/>
-                  <a:ext cx="113135" cy="174302"/>
+                  <a:off x="891044" y="2724652"/>
+                  <a:ext cx="179793" cy="276999"/>
                 </a:xfrm>
                 <a:prstGeom prst="rect">
                   <a:avLst/>
@@ -7318,7 +7480,7 @@
               </p:txBody>
             </p:sp>
           </mc:Choice>
-          <mc:Fallback xmlns="">
+          <mc:Fallback>
             <p:sp>
               <p:nvSpPr>
                 <p:cNvPr id="24" name="テキスト ボックス 23"/>
@@ -7329,8 +7491,8 @@
               </p:nvSpPr>
               <p:spPr>
                 <a:xfrm>
-                  <a:off x="5853823" y="5881695"/>
-                  <a:ext cx="113135" cy="174302"/>
+                  <a:off x="891044" y="2724652"/>
+                  <a:ext cx="179793" cy="276999"/>
                 </a:xfrm>
                 <a:prstGeom prst="rect">
                   <a:avLst/>
@@ -7365,8 +7527,8 @@
           </p:nvCxnSpPr>
           <p:spPr>
             <a:xfrm flipH="1">
-              <a:off x="5813970" y="4623267"/>
-              <a:ext cx="613579" cy="894857"/>
+              <a:off x="827710" y="724774"/>
+              <a:ext cx="975092" cy="1422095"/>
             </a:xfrm>
             <a:prstGeom prst="straightConnector1">
               <a:avLst/>
@@ -7395,8 +7557,8 @@
             </a:fontRef>
           </p:style>
         </p:cxnSp>
-        <mc:AlternateContent xmlns:mc="http://schemas.openxmlformats.org/markup-compatibility/2006" xmlns:a14="http://schemas.microsoft.com/office/drawing/2010/main">
-          <mc:Choice Requires="a14">
+        <mc:AlternateContent xmlns:mc="http://schemas.openxmlformats.org/markup-compatibility/2006">
+          <mc:Choice xmlns:a14="http://schemas.microsoft.com/office/drawing/2010/main" Requires="a14">
             <p:sp>
               <p:nvSpPr>
                 <p:cNvPr id="26" name="テキスト ボックス 25"/>
@@ -7405,8 +7567,8 @@
               </p:nvSpPr>
               <p:spPr>
                 <a:xfrm>
-                  <a:off x="7043556" y="6038221"/>
-                  <a:ext cx="115879" cy="125684"/>
+                  <a:off x="2781752" y="2973401"/>
+                  <a:ext cx="184153" cy="199735"/>
                 </a:xfrm>
                 <a:prstGeom prst="rect">
                   <a:avLst/>
@@ -7479,7 +7641,7 @@
               </p:txBody>
             </p:sp>
           </mc:Choice>
-          <mc:Fallback xmlns="">
+          <mc:Fallback>
             <p:sp>
               <p:nvSpPr>
                 <p:cNvPr id="26" name="テキスト ボックス 25"/>
@@ -7490,8 +7652,8 @@
               </p:nvSpPr>
               <p:spPr>
                 <a:xfrm>
-                  <a:off x="7043556" y="6038221"/>
-                  <a:ext cx="115879" cy="125684"/>
+                  <a:off x="2781752" y="2973401"/>
+                  <a:ext cx="184153" cy="199735"/>
                 </a:xfrm>
                 <a:prstGeom prst="rect">
                   <a:avLst/>
@@ -7521,8 +7683,8 @@
             </p:sp>
           </mc:Fallback>
         </mc:AlternateContent>
-        <mc:AlternateContent xmlns:mc="http://schemas.openxmlformats.org/markup-compatibility/2006" xmlns:a14="http://schemas.microsoft.com/office/drawing/2010/main">
-          <mc:Choice Requires="a14">
+        <mc:AlternateContent xmlns:mc="http://schemas.openxmlformats.org/markup-compatibility/2006">
+          <mc:Choice xmlns:a14="http://schemas.microsoft.com/office/drawing/2010/main" Requires="a14">
             <p:sp>
               <p:nvSpPr>
                 <p:cNvPr id="27" name="テキスト ボックス 26"/>
@@ -7531,8 +7693,8 @@
               </p:nvSpPr>
               <p:spPr>
                 <a:xfrm>
-                  <a:off x="6959262" y="4882307"/>
-                  <a:ext cx="91138" cy="222397"/>
+                  <a:off x="2647793" y="1136437"/>
+                  <a:ext cx="144835" cy="353430"/>
                 </a:xfrm>
                 <a:prstGeom prst="rect">
                   <a:avLst/>
@@ -7650,7 +7812,7 @@
               </p:txBody>
             </p:sp>
           </mc:Choice>
-          <mc:Fallback xmlns="">
+          <mc:Fallback>
             <p:sp>
               <p:nvSpPr>
                 <p:cNvPr id="27" name="テキスト ボックス 26"/>
@@ -7661,8 +7823,8 @@
               </p:nvSpPr>
               <p:spPr>
                 <a:xfrm>
-                  <a:off x="6959262" y="4882307"/>
-                  <a:ext cx="91138" cy="222397"/>
+                  <a:off x="2647793" y="1136437"/>
+                  <a:ext cx="144835" cy="353430"/>
                 </a:xfrm>
                 <a:prstGeom prst="rect">
                   <a:avLst/>
@@ -7692,8 +7854,8 @@
             </p:sp>
           </mc:Fallback>
         </mc:AlternateContent>
-        <mc:AlternateContent xmlns:mc="http://schemas.openxmlformats.org/markup-compatibility/2006" xmlns:a14="http://schemas.microsoft.com/office/drawing/2010/main">
-          <mc:Choice Requires="a14">
+        <mc:AlternateContent xmlns:mc="http://schemas.openxmlformats.org/markup-compatibility/2006">
+          <mc:Choice xmlns:a14="http://schemas.microsoft.com/office/drawing/2010/main" Requires="a14">
             <p:sp>
               <p:nvSpPr>
                 <p:cNvPr id="28" name="テキスト ボックス 27"/>
@@ -7702,8 +7864,8 @@
               </p:nvSpPr>
               <p:spPr>
                 <a:xfrm>
-                  <a:off x="5890346" y="5477447"/>
-                  <a:ext cx="110392" cy="193669"/>
+                  <a:off x="949086" y="2082226"/>
+                  <a:ext cx="175433" cy="307776"/>
                 </a:xfrm>
                 <a:prstGeom prst="rect">
                   <a:avLst/>
@@ -7771,7 +7933,7 @@
               </p:txBody>
             </p:sp>
           </mc:Choice>
-          <mc:Fallback xmlns="">
+          <mc:Fallback>
             <p:sp>
               <p:nvSpPr>
                 <p:cNvPr id="28" name="テキスト ボックス 27"/>
@@ -7782,8 +7944,8 @@
               </p:nvSpPr>
               <p:spPr>
                 <a:xfrm>
-                  <a:off x="5890346" y="5477447"/>
-                  <a:ext cx="110392" cy="193669"/>
+                  <a:off x="949086" y="2082226"/>
+                  <a:ext cx="175433" cy="307776"/>
                 </a:xfrm>
                 <a:prstGeom prst="rect">
                   <a:avLst/>
@@ -7813,8 +7975,8 @@
             </p:sp>
           </mc:Fallback>
         </mc:AlternateContent>
-        <mc:AlternateContent xmlns:mc="http://schemas.openxmlformats.org/markup-compatibility/2006" xmlns:a14="http://schemas.microsoft.com/office/drawing/2010/main">
-          <mc:Choice Requires="a14">
+        <mc:AlternateContent xmlns:mc="http://schemas.openxmlformats.org/markup-compatibility/2006">
+          <mc:Choice xmlns:a14="http://schemas.microsoft.com/office/drawing/2010/main" Requires="a14">
             <p:sp>
               <p:nvSpPr>
                 <p:cNvPr id="29" name="テキスト ボックス 28"/>
@@ -7823,8 +7985,8 @@
               </p:nvSpPr>
               <p:spPr>
                 <a:xfrm>
-                  <a:off x="5857653" y="4899807"/>
-                  <a:ext cx="285299" cy="193669"/>
+                  <a:off x="897130" y="1164248"/>
+                  <a:ext cx="453393" cy="307776"/>
                 </a:xfrm>
                 <a:prstGeom prst="rect">
                   <a:avLst/>
@@ -7931,7 +8093,7 @@
               </p:txBody>
             </p:sp>
           </mc:Choice>
-          <mc:Fallback xmlns="">
+          <mc:Fallback>
             <p:sp>
               <p:nvSpPr>
                 <p:cNvPr id="29" name="テキスト ボックス 28"/>
@@ -7942,8 +8104,8 @@
               </p:nvSpPr>
               <p:spPr>
                 <a:xfrm>
-                  <a:off x="5857653" y="4899807"/>
-                  <a:ext cx="285299" cy="193669"/>
+                  <a:off x="897130" y="1164248"/>
+                  <a:ext cx="453393" cy="307776"/>
                 </a:xfrm>
                 <a:prstGeom prst="rect">
                   <a:avLst/>
@@ -7981,8 +8143,8 @@
           </p:nvCxnSpPr>
           <p:spPr>
             <a:xfrm flipV="1">
-              <a:off x="5803106" y="5909301"/>
-              <a:ext cx="1278732" cy="142875"/>
+              <a:off x="810445" y="2768523"/>
+              <a:ext cx="2032144" cy="227055"/>
             </a:xfrm>
             <a:prstGeom prst="straightConnector1">
               <a:avLst/>
@@ -8009,8 +8171,8 @@
             </a:fontRef>
           </p:style>
         </p:cxnSp>
-        <mc:AlternateContent xmlns:mc="http://schemas.openxmlformats.org/markup-compatibility/2006" xmlns:a14="http://schemas.microsoft.com/office/drawing/2010/main">
-          <mc:Choice Requires="a14">
+        <mc:AlternateContent xmlns:mc="http://schemas.openxmlformats.org/markup-compatibility/2006">
+          <mc:Choice xmlns:a14="http://schemas.microsoft.com/office/drawing/2010/main" Requires="a14">
             <p:sp>
               <p:nvSpPr>
                 <p:cNvPr id="31" name="テキスト ボックス 30"/>
@@ -8019,8 +8181,8 @@
               </p:nvSpPr>
               <p:spPr>
                 <a:xfrm>
-                  <a:off x="6643244" y="5781677"/>
-                  <a:ext cx="103694" cy="174302"/>
+                  <a:off x="2145581" y="2565704"/>
+                  <a:ext cx="164789" cy="276999"/>
                 </a:xfrm>
                 <a:prstGeom prst="rect">
                   <a:avLst/>
@@ -8100,7 +8262,7 @@
               </p:txBody>
             </p:sp>
           </mc:Choice>
-          <mc:Fallback xmlns="">
+          <mc:Fallback>
             <p:sp>
               <p:nvSpPr>
                 <p:cNvPr id="31" name="テキスト ボックス 30"/>
@@ -8111,8 +8273,8 @@
               </p:nvSpPr>
               <p:spPr>
                 <a:xfrm>
-                  <a:off x="6643244" y="5781677"/>
-                  <a:ext cx="103694" cy="174302"/>
+                  <a:off x="2145581" y="2565704"/>
+                  <a:ext cx="164789" cy="276999"/>
                 </a:xfrm>
                 <a:prstGeom prst="rect">
                   <a:avLst/>
@@ -8150,8 +8312,8 @@
           </p:nvCxnSpPr>
           <p:spPr>
             <a:xfrm>
-              <a:off x="7308656" y="4486562"/>
-              <a:ext cx="260945" cy="0"/>
+              <a:off x="3203045" y="507524"/>
+              <a:ext cx="414690" cy="0"/>
             </a:xfrm>
             <a:prstGeom prst="straightConnector1">
               <a:avLst/>
@@ -8186,8 +8348,8 @@
           </p:nvCxnSpPr>
           <p:spPr>
             <a:xfrm>
-              <a:off x="7313483" y="4614313"/>
-              <a:ext cx="246545" cy="0"/>
+              <a:off x="3210716" y="710544"/>
+              <a:ext cx="391806" cy="0"/>
             </a:xfrm>
             <a:prstGeom prst="straightConnector1">
               <a:avLst/>
@@ -8216,8 +8378,8 @@
             </a:fontRef>
           </p:style>
         </p:cxnSp>
-        <mc:AlternateContent xmlns:mc="http://schemas.openxmlformats.org/markup-compatibility/2006" xmlns:a14="http://schemas.microsoft.com/office/drawing/2010/main">
-          <mc:Choice Requires="a14">
+        <mc:AlternateContent xmlns:mc="http://schemas.openxmlformats.org/markup-compatibility/2006">
+          <mc:Choice xmlns:a14="http://schemas.microsoft.com/office/drawing/2010/main" Requires="a14">
             <p:sp>
               <p:nvSpPr>
                 <p:cNvPr id="34" name="テキスト ボックス 33"/>
@@ -8226,8 +8388,8 @@
               </p:nvSpPr>
               <p:spPr>
                 <a:xfrm>
-                  <a:off x="6541543" y="5428837"/>
-                  <a:ext cx="377953" cy="174302"/>
+                  <a:off x="1983959" y="2004976"/>
+                  <a:ext cx="600638" cy="276999"/>
                 </a:xfrm>
                 <a:prstGeom prst="rect">
                   <a:avLst/>
@@ -8343,7 +8505,7 @@
               </p:txBody>
             </p:sp>
           </mc:Choice>
-          <mc:Fallback xmlns="">
+          <mc:Fallback>
             <p:sp>
               <p:nvSpPr>
                 <p:cNvPr id="34" name="テキスト ボックス 33"/>
@@ -8354,8 +8516,8 @@
               </p:nvSpPr>
               <p:spPr>
                 <a:xfrm>
-                  <a:off x="6541543" y="5428837"/>
-                  <a:ext cx="377953" cy="174302"/>
+                  <a:off x="1983959" y="2004976"/>
+                  <a:ext cx="600638" cy="276999"/>
                 </a:xfrm>
                 <a:prstGeom prst="rect">
                   <a:avLst/>
@@ -8393,8 +8555,8 @@
           </p:nvSpPr>
           <p:spPr>
             <a:xfrm>
-              <a:off x="7540615" y="4543858"/>
-              <a:ext cx="507935" cy="174302"/>
+              <a:off x="3571671" y="598578"/>
+              <a:ext cx="807204" cy="276999"/>
             </a:xfrm>
             <a:prstGeom prst="rect">
               <a:avLst/>
@@ -8428,8 +8590,8 @@
           </p:nvSpPr>
           <p:spPr>
             <a:xfrm>
-              <a:off x="7540615" y="4411039"/>
-              <a:ext cx="381085" cy="174302"/>
+              <a:off x="3571671" y="387504"/>
+              <a:ext cx="605615" cy="276999"/>
             </a:xfrm>
             <a:prstGeom prst="rect">
               <a:avLst/>
@@ -8463,8 +8625,8 @@
           </p:nvCxnSpPr>
           <p:spPr>
             <a:xfrm>
-              <a:off x="6432709" y="4628426"/>
-              <a:ext cx="665797" cy="1252300"/>
+              <a:off x="1811002" y="732973"/>
+              <a:ext cx="1058076" cy="1990139"/>
             </a:xfrm>
             <a:prstGeom prst="line">
               <a:avLst/>
@@ -8502,8 +8664,8 @@
           </p:nvSpPr>
           <p:spPr>
             <a:xfrm flipV="1">
-              <a:off x="5781433" y="6034282"/>
-              <a:ext cx="37148" cy="37148"/>
+              <a:off x="776003" y="2967141"/>
+              <a:ext cx="59035" cy="59035"/>
             </a:xfrm>
             <a:prstGeom prst="ellipse">
               <a:avLst/>
@@ -8549,8 +8711,8 @@
             </a:p>
           </p:txBody>
         </p:sp>
-        <mc:AlternateContent xmlns:mc="http://schemas.openxmlformats.org/markup-compatibility/2006" xmlns:a14="http://schemas.microsoft.com/office/drawing/2010/main">
-          <mc:Choice Requires="a14">
+        <mc:AlternateContent xmlns:mc="http://schemas.openxmlformats.org/markup-compatibility/2006">
+          <mc:Choice xmlns:a14="http://schemas.microsoft.com/office/drawing/2010/main" Requires="a14">
             <p:sp>
               <p:nvSpPr>
                 <p:cNvPr id="39" name="テキスト ボックス 38"/>
@@ -8559,8 +8721,8 @@
               </p:nvSpPr>
               <p:spPr>
                 <a:xfrm>
-                  <a:off x="7313483" y="5202504"/>
-                  <a:ext cx="880065" cy="301882"/>
+                  <a:off x="3210716" y="1645290"/>
+                  <a:ext cx="1398588" cy="479747"/>
                 </a:xfrm>
                 <a:prstGeom prst="rect">
                   <a:avLst/>
@@ -8894,7 +9056,7 @@
               </p:txBody>
             </p:sp>
           </mc:Choice>
-          <mc:Fallback xmlns="">
+          <mc:Fallback>
             <p:sp>
               <p:nvSpPr>
                 <p:cNvPr id="39" name="テキスト ボックス 38"/>
@@ -8905,8 +9067,8 @@
               </p:nvSpPr>
               <p:spPr>
                 <a:xfrm>
-                  <a:off x="7313483" y="5202504"/>
-                  <a:ext cx="880065" cy="301882"/>
+                  <a:off x="3210716" y="1645290"/>
+                  <a:ext cx="1398588" cy="479747"/>
                 </a:xfrm>
                 <a:prstGeom prst="rect">
                   <a:avLst/>
@@ -8936,8 +9098,8 @@
             </p:sp>
           </mc:Fallback>
         </mc:AlternateContent>
-        <mc:AlternateContent xmlns:mc="http://schemas.openxmlformats.org/markup-compatibility/2006" xmlns:a14="http://schemas.microsoft.com/office/drawing/2010/main">
-          <mc:Choice Requires="a14">
+        <mc:AlternateContent xmlns:mc="http://schemas.openxmlformats.org/markup-compatibility/2006">
+          <mc:Choice xmlns:a14="http://schemas.microsoft.com/office/drawing/2010/main" Requires="a14">
             <p:sp>
               <p:nvSpPr>
                 <p:cNvPr id="40" name="テキスト ボックス 39"/>
@@ -8946,8 +9108,8 @@
               </p:nvSpPr>
               <p:spPr>
                 <a:xfrm>
-                  <a:off x="7313483" y="5965228"/>
-                  <a:ext cx="554459" cy="128024"/>
+                  <a:off x="3210716" y="2857401"/>
+                  <a:ext cx="881139" cy="203454"/>
                 </a:xfrm>
                 <a:prstGeom prst="rect">
                   <a:avLst/>
@@ -9095,7 +9257,7 @@
               </p:txBody>
             </p:sp>
           </mc:Choice>
-          <mc:Fallback xmlns="">
+          <mc:Fallback>
             <p:sp>
               <p:nvSpPr>
                 <p:cNvPr id="40" name="テキスト ボックス 39"/>
@@ -9106,8 +9268,8 @@
               </p:nvSpPr>
               <p:spPr>
                 <a:xfrm>
-                  <a:off x="7313483" y="5965228"/>
-                  <a:ext cx="554459" cy="128024"/>
+                  <a:off x="3210716" y="2857401"/>
+                  <a:ext cx="881139" cy="203454"/>
                 </a:xfrm>
                 <a:prstGeom prst="rect">
                   <a:avLst/>
@@ -9145,8 +9307,8 @@
           </p:nvSpPr>
           <p:spPr>
             <a:xfrm>
-              <a:off x="5604089" y="4414293"/>
-              <a:ext cx="1233895" cy="174302"/>
+              <a:off x="494170" y="392675"/>
+              <a:ext cx="1960889" cy="276999"/>
             </a:xfrm>
             <a:prstGeom prst="rect">
               <a:avLst/>
@@ -9180,8 +9342,8 @@
           </p:nvCxnSpPr>
           <p:spPr>
             <a:xfrm flipH="1">
-              <a:off x="5803106" y="5119212"/>
-              <a:ext cx="622433" cy="924099"/>
+              <a:off x="810445" y="1512924"/>
+              <a:ext cx="989162" cy="1468566"/>
             </a:xfrm>
             <a:prstGeom prst="straightConnector1">
               <a:avLst/>
@@ -9218,8 +9380,8 @@
           </p:nvCxnSpPr>
           <p:spPr>
             <a:xfrm flipV="1">
-              <a:off x="6424249" y="4620553"/>
-              <a:ext cx="0" cy="506398"/>
+              <a:off x="1797557" y="720461"/>
+              <a:ext cx="0" cy="804761"/>
             </a:xfrm>
             <a:prstGeom prst="straightConnector1">
               <a:avLst/>
@@ -9250,8 +9412,8 @@
             </a:fontRef>
           </p:style>
         </p:cxnSp>
-        <mc:AlternateContent xmlns:mc="http://schemas.openxmlformats.org/markup-compatibility/2006" xmlns:a14="http://schemas.microsoft.com/office/drawing/2010/main">
-          <mc:Choice Requires="a14">
+        <mc:AlternateContent xmlns:mc="http://schemas.openxmlformats.org/markup-compatibility/2006">
+          <mc:Choice xmlns:a14="http://schemas.microsoft.com/office/drawing/2010/main" Requires="a14">
             <p:sp>
               <p:nvSpPr>
                 <p:cNvPr id="44" name="テキスト ボックス 43"/>
@@ -9260,8 +9422,8 @@
               </p:nvSpPr>
               <p:spPr>
                 <a:xfrm>
-                  <a:off x="6135032" y="5548839"/>
-                  <a:ext cx="164982" cy="200407"/>
+                  <a:off x="1337937" y="2195681"/>
+                  <a:ext cx="262187" cy="318484"/>
                 </a:xfrm>
                 <a:prstGeom prst="rect">
                   <a:avLst/>
@@ -9368,7 +9530,7 @@
               </p:txBody>
             </p:sp>
           </mc:Choice>
-          <mc:Fallback xmlns="">
+          <mc:Fallback>
             <p:sp>
               <p:nvSpPr>
                 <p:cNvPr id="44" name="テキスト ボックス 43"/>
@@ -9379,8 +9541,8 @@
               </p:nvSpPr>
               <p:spPr>
                 <a:xfrm>
-                  <a:off x="6135032" y="5548839"/>
-                  <a:ext cx="164982" cy="200407"/>
+                  <a:off x="1337937" y="2195681"/>
+                  <a:ext cx="262187" cy="318484"/>
                 </a:xfrm>
                 <a:prstGeom prst="rect">
                   <a:avLst/>
@@ -9410,8 +9572,8 @@
             </p:sp>
           </mc:Fallback>
         </mc:AlternateContent>
-        <mc:AlternateContent xmlns:mc="http://schemas.openxmlformats.org/markup-compatibility/2006" xmlns:a14="http://schemas.microsoft.com/office/drawing/2010/main">
-          <mc:Choice Requires="a14">
+        <mc:AlternateContent xmlns:mc="http://schemas.openxmlformats.org/markup-compatibility/2006">
+          <mc:Choice xmlns:a14="http://schemas.microsoft.com/office/drawing/2010/main" Requires="a14">
             <p:sp>
               <p:nvSpPr>
                 <p:cNvPr id="45" name="テキスト ボックス 44"/>
@@ -9420,8 +9582,8 @@
               </p:nvSpPr>
               <p:spPr>
                 <a:xfrm>
-                  <a:off x="6422132" y="4838491"/>
-                  <a:ext cx="96633" cy="116202"/>
+                  <a:off x="1794193" y="1066805"/>
+                  <a:ext cx="153568" cy="184667"/>
                 </a:xfrm>
                 <a:prstGeom prst="rect">
                   <a:avLst/>
@@ -9511,7 +9673,7 @@
               </p:txBody>
             </p:sp>
           </mc:Choice>
-          <mc:Fallback xmlns="">
+          <mc:Fallback>
             <p:sp>
               <p:nvSpPr>
                 <p:cNvPr id="45" name="テキスト ボックス 44"/>
@@ -9522,8 +9684,8 @@
               </p:nvSpPr>
               <p:spPr>
                 <a:xfrm>
-                  <a:off x="6422132" y="4838491"/>
-                  <a:ext cx="96633" cy="116202"/>
+                  <a:off x="1794193" y="1066805"/>
+                  <a:ext cx="153568" cy="184667"/>
                 </a:xfrm>
                 <a:prstGeom prst="rect">
                   <a:avLst/>
@@ -9561,8 +9723,8 @@
           </p:nvSpPr>
           <p:spPr>
             <a:xfrm>
-              <a:off x="5480422" y="6100119"/>
-              <a:ext cx="869520" cy="174302"/>
+              <a:off x="297640" y="3071768"/>
+              <a:ext cx="1381830" cy="276999"/>
             </a:xfrm>
             <a:prstGeom prst="rect">
               <a:avLst/>
@@ -9588,8 +9750,8 @@
             </a:p>
           </p:txBody>
         </p:sp>
-        <mc:AlternateContent xmlns:mc="http://schemas.openxmlformats.org/markup-compatibility/2006" xmlns:a14="http://schemas.microsoft.com/office/drawing/2010/main">
-          <mc:Choice Requires="a14">
+        <mc:AlternateContent xmlns:mc="http://schemas.openxmlformats.org/markup-compatibility/2006">
+          <mc:Choice xmlns:a14="http://schemas.microsoft.com/office/drawing/2010/main" Requires="a14">
             <p:sp>
               <p:nvSpPr>
                 <p:cNvPr id="47" name="テキスト ボックス 46"/>
@@ -9598,8 +9760,8 @@
               </p:nvSpPr>
               <p:spPr>
                 <a:xfrm>
-                  <a:off x="7313483" y="5559445"/>
-                  <a:ext cx="941515" cy="344368"/>
+                  <a:off x="3210716" y="2212536"/>
+                  <a:ext cx="1496243" cy="547265"/>
                 </a:xfrm>
                 <a:prstGeom prst="rect">
                   <a:avLst/>
@@ -9821,7 +9983,7 @@
               </p:txBody>
             </p:sp>
           </mc:Choice>
-          <mc:Fallback xmlns="">
+          <mc:Fallback>
             <p:sp>
               <p:nvSpPr>
                 <p:cNvPr id="47" name="テキスト ボックス 46"/>
@@ -9832,8 +9994,8 @@
               </p:nvSpPr>
               <p:spPr>
                 <a:xfrm>
-                  <a:off x="7313483" y="5559445"/>
-                  <a:ext cx="941515" cy="344368"/>
+                  <a:off x="3210716" y="2212536"/>
+                  <a:ext cx="1496243" cy="547265"/>
                 </a:xfrm>
                 <a:prstGeom prst="rect">
                   <a:avLst/>
@@ -9871,8 +10033,8 @@
           </p:nvCxnSpPr>
           <p:spPr>
             <a:xfrm flipH="1">
-              <a:off x="5810101" y="4620552"/>
-              <a:ext cx="621252" cy="1423932"/>
+              <a:off x="821561" y="720459"/>
+              <a:ext cx="987285" cy="2262895"/>
             </a:xfrm>
             <a:prstGeom prst="straightConnector1">
               <a:avLst/>
@@ -9907,8 +10069,8 @@
           </p:nvSpPr>
           <p:spPr>
             <a:xfrm flipV="1">
-              <a:off x="6405351" y="4595811"/>
-              <a:ext cx="37148" cy="37148"/>
+              <a:off x="1767525" y="681141"/>
+              <a:ext cx="59035" cy="59035"/>
             </a:xfrm>
             <a:prstGeom prst="ellipse">
               <a:avLst/>
@@ -9962,8 +10124,8 @@
           </p:nvSpPr>
           <p:spPr>
             <a:xfrm>
-              <a:off x="6658904" y="4484900"/>
-              <a:ext cx="538405" cy="174302"/>
+              <a:off x="2170468" y="504883"/>
+              <a:ext cx="855626" cy="276999"/>
             </a:xfrm>
             <a:prstGeom prst="rect">
               <a:avLst/>
@@ -9995,8 +10157,8 @@
             </a:p>
           </p:txBody>
         </p:sp>
-        <mc:AlternateContent xmlns:mc="http://schemas.openxmlformats.org/markup-compatibility/2006" xmlns:a14="http://schemas.microsoft.com/office/drawing/2010/main">
-          <mc:Choice Requires="a14">
+        <mc:AlternateContent xmlns:mc="http://schemas.openxmlformats.org/markup-compatibility/2006">
+          <mc:Choice xmlns:a14="http://schemas.microsoft.com/office/drawing/2010/main" Requires="a14">
             <p:sp>
               <p:nvSpPr>
                 <p:cNvPr id="51" name="テキスト ボックス 50"/>
@@ -10005,8 +10167,8 @@
               </p:nvSpPr>
               <p:spPr>
                 <a:xfrm>
-                  <a:off x="7313483" y="5033537"/>
-                  <a:ext cx="661098" cy="145535"/>
+                  <a:off x="3210716" y="1376770"/>
+                  <a:ext cx="1050608" cy="231282"/>
                 </a:xfrm>
                 <a:prstGeom prst="rect">
                   <a:avLst/>
@@ -10160,7 +10322,7 @@
               </p:txBody>
             </p:sp>
           </mc:Choice>
-          <mc:Fallback xmlns="">
+          <mc:Fallback>
             <p:sp>
               <p:nvSpPr>
                 <p:cNvPr id="51" name="テキスト ボックス 50"/>
@@ -10171,8 +10333,8 @@
               </p:nvSpPr>
               <p:spPr>
                 <a:xfrm>
-                  <a:off x="7313483" y="5033537"/>
-                  <a:ext cx="661098" cy="145535"/>
+                  <a:off x="3210716" y="1376770"/>
+                  <a:ext cx="1050608" cy="231282"/>
                 </a:xfrm>
                 <a:prstGeom prst="rect">
                   <a:avLst/>
@@ -10210,8 +10372,8 @@
           </p:nvSpPr>
           <p:spPr>
             <a:xfrm>
-              <a:off x="7217712" y="6056808"/>
-              <a:ext cx="1206794" cy="174302"/>
+              <a:off x="3058518" y="3002939"/>
+              <a:ext cx="1917821" cy="276999"/>
             </a:xfrm>
             <a:prstGeom prst="rect">
               <a:avLst/>
@@ -10245,8 +10407,8 @@
           </p:nvCxnSpPr>
           <p:spPr>
             <a:xfrm>
-              <a:off x="6749670" y="4620104"/>
-              <a:ext cx="0" cy="196717"/>
+              <a:off x="2314712" y="719747"/>
+              <a:ext cx="0" cy="312620"/>
             </a:xfrm>
             <a:prstGeom prst="straightConnector1">
               <a:avLst/>
@@ -10281,8 +10443,8 @@
           </p:nvSpPr>
           <p:spPr>
             <a:xfrm>
-              <a:off x="6778778" y="4699442"/>
-              <a:ext cx="41" cy="106518"/>
+              <a:off x="2360970" y="845830"/>
+              <a:ext cx="65" cy="169277"/>
             </a:xfrm>
             <a:prstGeom prst="rect">
               <a:avLst/>
@@ -10307,8 +10469,8 @@
             </a:p>
           </p:txBody>
         </p:sp>
-        <mc:AlternateContent xmlns:mc="http://schemas.openxmlformats.org/markup-compatibility/2006" xmlns:a14="http://schemas.microsoft.com/office/drawing/2010/main">
-          <mc:Choice Requires="a14">
+        <mc:AlternateContent xmlns:mc="http://schemas.openxmlformats.org/markup-compatibility/2006">
+          <mc:Choice xmlns:a14="http://schemas.microsoft.com/office/drawing/2010/main" Requires="a14">
             <p:sp>
               <p:nvSpPr>
                 <p:cNvPr id="55" name="テキスト ボックス 54"/>
@@ -10317,8 +10479,8 @@
               </p:nvSpPr>
               <p:spPr>
                 <a:xfrm>
-                  <a:off x="6788609" y="4605957"/>
-                  <a:ext cx="102685" cy="174302"/>
+                  <a:off x="2376593" y="697265"/>
+                  <a:ext cx="163186" cy="276999"/>
                 </a:xfrm>
                 <a:prstGeom prst="rect">
                   <a:avLst/>
@@ -10398,7 +10560,7 @@
               </p:txBody>
             </p:sp>
           </mc:Choice>
-          <mc:Fallback xmlns="">
+          <mc:Fallback>
             <p:sp>
               <p:nvSpPr>
                 <p:cNvPr id="55" name="テキスト ボックス 54"/>
@@ -10409,8 +10571,8 @@
               </p:nvSpPr>
               <p:spPr>
                 <a:xfrm>
-                  <a:off x="6788609" y="4605957"/>
-                  <a:ext cx="102685" cy="174302"/>
+                  <a:off x="2376593" y="697265"/>
+                  <a:ext cx="163186" cy="276999"/>
                 </a:xfrm>
                 <a:prstGeom prst="rect">
                   <a:avLst/>
@@ -10440,61 +10602,8 @@
             </p:sp>
           </mc:Fallback>
         </mc:AlternateContent>
-        <p:sp>
-          <p:nvSpPr>
-            <p:cNvPr id="56" name="円弧 55"/>
-            <p:cNvSpPr/>
-            <p:nvPr/>
-          </p:nvSpPr>
-          <p:spPr>
-            <a:xfrm>
-              <a:off x="4867247" y="3061935"/>
-              <a:ext cx="3128211" cy="3128211"/>
-            </a:xfrm>
-            <a:prstGeom prst="arc">
-              <a:avLst>
-                <a:gd name="adj1" fmla="val 3594856"/>
-                <a:gd name="adj2" fmla="val 7088578"/>
-              </a:avLst>
-            </a:prstGeom>
-            <a:ln w="12700">
-              <a:solidFill>
-                <a:schemeClr val="tx1"/>
-              </a:solidFill>
-            </a:ln>
-          </p:spPr>
-          <p:style>
-            <a:lnRef idx="1">
-              <a:schemeClr val="accent1"/>
-            </a:lnRef>
-            <a:fillRef idx="0">
-              <a:schemeClr val="accent1"/>
-            </a:fillRef>
-            <a:effectRef idx="0">
-              <a:schemeClr val="accent1"/>
-            </a:effectRef>
-            <a:fontRef idx="minor">
-              <a:schemeClr val="tx1"/>
-            </a:fontRef>
-          </p:style>
-          <p:txBody>
-            <a:bodyPr rot="0" spcFirstLastPara="0" vertOverflow="overflow" horzOverflow="overflow" vert="horz" wrap="square" lIns="74295" tIns="37148" rIns="74295" bIns="37148" numCol="1" spcCol="0" rtlCol="0" fromWordArt="0" anchor="ctr" anchorCtr="0" forceAA="0" compatLnSpc="1">
-              <a:prstTxWarp prst="textNoShape">
-                <a:avLst/>
-              </a:prstTxWarp>
-              <a:noAutofit/>
-            </a:bodyPr>
-            <a:lstStyle/>
-            <a:p>
-              <a:pPr algn="ctr"/>
-              <a:endParaRPr lang="ja-JP" altLang="en-US">
-                <a:latin typeface="Cambria Math" panose="02040503050406030204" pitchFamily="18" charset="0"/>
-              </a:endParaRPr>
-            </a:p>
-          </p:txBody>
-        </p:sp>
-        <mc:AlternateContent xmlns:mc="http://schemas.openxmlformats.org/markup-compatibility/2006" xmlns:a14="http://schemas.microsoft.com/office/drawing/2010/main">
-          <mc:Choice Requires="a14">
+        <mc:AlternateContent xmlns:mc="http://schemas.openxmlformats.org/markup-compatibility/2006">
+          <mc:Choice xmlns:a14="http://schemas.microsoft.com/office/drawing/2010/main" Requires="a14">
             <p:sp>
               <p:nvSpPr>
                 <p:cNvPr id="57" name="正方形/長方形 56"/>
@@ -10503,8 +10612,8 @@
               </p:nvSpPr>
               <p:spPr>
                 <a:xfrm>
-                  <a:off x="7301621" y="4804334"/>
-                  <a:ext cx="1010799" cy="116202"/>
+                  <a:off x="3191865" y="1012523"/>
+                  <a:ext cx="1606348" cy="184667"/>
                 </a:xfrm>
                 <a:prstGeom prst="rect">
                   <a:avLst/>
@@ -10638,10 +10747,10 @@
               </p:txBody>
             </p:sp>
           </mc:Choice>
-          <mc:Fallback xmlns="">
+          <mc:Fallback>
             <p:sp>
               <p:nvSpPr>
-                <p:cNvPr id="46" name="正方形/長方形 45"/>
+                <p:cNvPr id="57" name="正方形/長方形 56"/>
                 <p:cNvSpPr>
                   <a:spLocks noRot="1" noChangeAspect="1" noMove="1" noResize="1" noEditPoints="1" noAdjustHandles="1" noChangeArrowheads="1" noChangeShapeType="1" noTextEdit="1"/>
                 </p:cNvSpPr>
@@ -10649,8 +10758,8 @@
               </p:nvSpPr>
               <p:spPr>
                 <a:xfrm>
-                  <a:off x="7301621" y="4804334"/>
-                  <a:ext cx="1010799" cy="116202"/>
+                  <a:off x="3191865" y="1012523"/>
+                  <a:ext cx="1606348" cy="184667"/>
                 </a:xfrm>
                 <a:prstGeom prst="rect">
                   <a:avLst/>
@@ -10658,7 +10767,7 @@
                 <a:blipFill>
                   <a:blip r:embed="rId18"/>
                   <a:stretch>
-                    <a:fillRect l="-2662" r="-31939" b="-6667"/>
+                    <a:fillRect l="-2662" r="-31939" b="-13333"/>
                   </a:stretch>
                 </a:blipFill>
               </p:spPr>
@@ -11446,8 +11555,8 @@
           </a:p>
         </p:txBody>
       </p:sp>
-      <mc:AlternateContent xmlns:mc="http://schemas.openxmlformats.org/markup-compatibility/2006">
-        <mc:Choice xmlns:a14="http://schemas.microsoft.com/office/drawing/2010/main" Requires="a14">
+      <mc:AlternateContent xmlns:mc="http://schemas.openxmlformats.org/markup-compatibility/2006" xmlns:a14="http://schemas.microsoft.com/office/drawing/2010/main">
+        <mc:Choice Requires="a14">
           <p:sp>
             <p:nvSpPr>
               <p:cNvPr id="63" name="正方形/長方形 62"/>
@@ -11529,7 +11638,7 @@
                           <m:sSup>
                             <m:sSupPr>
                               <m:ctrlPr>
-                                <a:rPr lang="en-US" altLang="ja-JP" sz="1600" b="1" smtClean="0">
+                                <a:rPr lang="en-US" altLang="ja-JP" sz="1600" b="1" i="1" smtClean="0">
                                   <a:latin typeface="Cambria Math" panose="02040503050406030204" pitchFamily="18" charset="0"/>
                                   <a:ea typeface="Cambria Math" panose="02040503050406030204" pitchFamily="18" charset="0"/>
                                 </a:rPr>
@@ -11731,7 +11840,7 @@
             </p:txBody>
           </p:sp>
         </mc:Choice>
-        <mc:Fallback>
+        <mc:Fallback xmlns="">
           <p:sp>
             <p:nvSpPr>
               <p:cNvPr id="63" name="正方形/長方形 62"/>
@@ -11770,8 +11879,8 @@
           </p:sp>
         </mc:Fallback>
       </mc:AlternateContent>
-      <mc:AlternateContent xmlns:mc="http://schemas.openxmlformats.org/markup-compatibility/2006">
-        <mc:Choice xmlns:a14="http://schemas.microsoft.com/office/drawing/2010/main" Requires="a14">
+      <mc:AlternateContent xmlns:mc="http://schemas.openxmlformats.org/markup-compatibility/2006" xmlns:a14="http://schemas.microsoft.com/office/drawing/2010/main">
+        <mc:Choice Requires="a14">
           <p:sp>
             <p:nvSpPr>
               <p:cNvPr id="64" name="正方形/長方形 63"/>
@@ -12135,7 +12244,7 @@
             </p:txBody>
           </p:sp>
         </mc:Choice>
-        <mc:Fallback>
+        <mc:Fallback xmlns="">
           <p:sp>
             <p:nvSpPr>
               <p:cNvPr id="64" name="正方形/長方形 63"/>
@@ -15070,8 +15179,8 @@
           </p:sp>
         </mc:Fallback>
       </mc:AlternateContent>
-      <mc:AlternateContent xmlns:mc="http://schemas.openxmlformats.org/markup-compatibility/2006" xmlns:a14="http://schemas.microsoft.com/office/drawing/2010/main">
-        <mc:Choice Requires="a14">
+      <mc:AlternateContent xmlns:mc="http://schemas.openxmlformats.org/markup-compatibility/2006">
+        <mc:Choice xmlns:a14="http://schemas.microsoft.com/office/drawing/2010/main" Requires="a14">
           <p:sp>
             <p:nvSpPr>
               <p:cNvPr id="9" name="正方形/長方形 8"/>
@@ -15883,7 +15992,7 @@
             </p:txBody>
           </p:sp>
         </mc:Choice>
-        <mc:Fallback xmlns="">
+        <mc:Fallback>
           <p:sp>
             <p:nvSpPr>
               <p:cNvPr id="9" name="正方形/長方形 8"/>
